--- a/Presentate.pptx
+++ b/Presentate.pptx
@@ -20,8 +20,7 @@
     <p:sldId id="263" r:id="rId14"/>
     <p:sldId id="267" r:id="rId15"/>
     <p:sldId id="269" r:id="rId16"/>
-    <p:sldId id="271" r:id="rId17"/>
-    <p:sldId id="272" r:id="rId18"/>
+    <p:sldId id="272" r:id="rId17"/>
   </p:sldIdLst>
   <p:sldSz cx="9144000" cy="6858000" type="screen4x3"/>
   <p:notesSz cx="6858000" cy="9144000"/>
@@ -305,7 +304,7 @@
             <a:fld id="{1D8BD707-D9CF-40AE-B4C6-C98DA3205C09}" type="datetimeFigureOut">
               <a:rPr lang="en-US" smtClean="0"/>
               <a:pPr/>
-              <a:t>12/7/2014</a:t>
+              <a:t>12/9/2014</a:t>
             </a:fld>
             <a:endParaRPr lang="en-US"/>
           </a:p>
@@ -472,7 +471,7 @@
             <a:fld id="{1D8BD707-D9CF-40AE-B4C6-C98DA3205C09}" type="datetimeFigureOut">
               <a:rPr lang="en-US" smtClean="0"/>
               <a:pPr/>
-              <a:t>12/7/2014</a:t>
+              <a:t>12/9/2014</a:t>
             </a:fld>
             <a:endParaRPr lang="en-US"/>
           </a:p>
@@ -649,7 +648,7 @@
             <a:fld id="{1D8BD707-D9CF-40AE-B4C6-C98DA3205C09}" type="datetimeFigureOut">
               <a:rPr lang="en-US" smtClean="0"/>
               <a:pPr/>
-              <a:t>12/7/2014</a:t>
+              <a:t>12/9/2014</a:t>
             </a:fld>
             <a:endParaRPr lang="en-US"/>
           </a:p>
@@ -816,7 +815,7 @@
             <a:fld id="{1D8BD707-D9CF-40AE-B4C6-C98DA3205C09}" type="datetimeFigureOut">
               <a:rPr lang="en-US" smtClean="0"/>
               <a:pPr/>
-              <a:t>12/7/2014</a:t>
+              <a:t>12/9/2014</a:t>
             </a:fld>
             <a:endParaRPr lang="en-US"/>
           </a:p>
@@ -1059,7 +1058,7 @@
             <a:fld id="{1D8BD707-D9CF-40AE-B4C6-C98DA3205C09}" type="datetimeFigureOut">
               <a:rPr lang="en-US" smtClean="0"/>
               <a:pPr/>
-              <a:t>12/7/2014</a:t>
+              <a:t>12/9/2014</a:t>
             </a:fld>
             <a:endParaRPr lang="en-US"/>
           </a:p>
@@ -1344,7 +1343,7 @@
             <a:fld id="{1D8BD707-D9CF-40AE-B4C6-C98DA3205C09}" type="datetimeFigureOut">
               <a:rPr lang="en-US" smtClean="0"/>
               <a:pPr/>
-              <a:t>12/7/2014</a:t>
+              <a:t>12/9/2014</a:t>
             </a:fld>
             <a:endParaRPr lang="en-US"/>
           </a:p>
@@ -1763,7 +1762,7 @@
             <a:fld id="{1D8BD707-D9CF-40AE-B4C6-C98DA3205C09}" type="datetimeFigureOut">
               <a:rPr lang="en-US" smtClean="0"/>
               <a:pPr/>
-              <a:t>12/7/2014</a:t>
+              <a:t>12/9/2014</a:t>
             </a:fld>
             <a:endParaRPr lang="en-US"/>
           </a:p>
@@ -1878,7 +1877,7 @@
             <a:fld id="{1D8BD707-D9CF-40AE-B4C6-C98DA3205C09}" type="datetimeFigureOut">
               <a:rPr lang="en-US" smtClean="0"/>
               <a:pPr/>
-              <a:t>12/7/2014</a:t>
+              <a:t>12/9/2014</a:t>
             </a:fld>
             <a:endParaRPr lang="en-US"/>
           </a:p>
@@ -1970,7 +1969,7 @@
             <a:fld id="{1D8BD707-D9CF-40AE-B4C6-C98DA3205C09}" type="datetimeFigureOut">
               <a:rPr lang="en-US" smtClean="0"/>
               <a:pPr/>
-              <a:t>12/7/2014</a:t>
+              <a:t>12/9/2014</a:t>
             </a:fld>
             <a:endParaRPr lang="en-US"/>
           </a:p>
@@ -2244,7 +2243,7 @@
             <a:fld id="{1D8BD707-D9CF-40AE-B4C6-C98DA3205C09}" type="datetimeFigureOut">
               <a:rPr lang="en-US" smtClean="0"/>
               <a:pPr/>
-              <a:t>12/7/2014</a:t>
+              <a:t>12/9/2014</a:t>
             </a:fld>
             <a:endParaRPr lang="en-US"/>
           </a:p>
@@ -2494,7 +2493,7 @@
             <a:fld id="{1D8BD707-D9CF-40AE-B4C6-C98DA3205C09}" type="datetimeFigureOut">
               <a:rPr lang="en-US" smtClean="0"/>
               <a:pPr/>
-              <a:t>12/7/2014</a:t>
+              <a:t>12/9/2014</a:t>
             </a:fld>
             <a:endParaRPr lang="en-US"/>
           </a:p>
@@ -2704,7 +2703,7 @@
             <a:fld id="{1D8BD707-D9CF-40AE-B4C6-C98DA3205C09}" type="datetimeFigureOut">
               <a:rPr lang="en-US" smtClean="0"/>
               <a:pPr/>
-              <a:t>12/7/2014</a:t>
+              <a:t>12/9/2014</a:t>
             </a:fld>
             <a:endParaRPr lang="en-US"/>
           </a:p>
@@ -3658,7 +3657,7 @@
         <p:spPr/>
         <p:txBody>
           <a:bodyPr>
-            <a:normAutofit lnSpcReduction="10000"/>
+            <a:normAutofit/>
           </a:bodyPr>
           <a:lstStyle/>
           <a:p>
@@ -3679,19 +3678,23 @@
           <a:p>
             <a:r>
               <a:rPr lang="en-US" dirty="0" smtClean="0"/>
-              <a:t>Large-scale scheduling calendar</a:t>
-            </a:r>
-          </a:p>
-          <a:p>
+              <a:t>Large-scale scheduling </a:t>
+            </a:r>
+            <a:r>
+              <a:rPr lang="en-US" dirty="0" smtClean="0"/>
+              <a:t>calendar</a:t>
+            </a:r>
             <a:endParaRPr lang="en-US" dirty="0"/>
           </a:p>
           <a:p>
             <a:r>
               <a:rPr lang="en-US" dirty="0" smtClean="0"/>
-              <a:t>Teacher-side implementation</a:t>
-            </a:r>
-          </a:p>
-          <a:p>
+              <a:t>Teacher-side </a:t>
+            </a:r>
+            <a:r>
+              <a:rPr lang="en-US" dirty="0" smtClean="0"/>
+              <a:t>implementation</a:t>
+            </a:r>
             <a:endParaRPr lang="en-US" dirty="0"/>
           </a:p>
           <a:p>
@@ -3699,7 +3702,12 @@
               <a:rPr lang="en-US" dirty="0" smtClean="0"/>
               <a:t>Validation</a:t>
             </a:r>
-            <a:endParaRPr lang="en-US" dirty="0"/>
+          </a:p>
+          <a:p>
+            <a:r>
+              <a:rPr lang="en-US" dirty="0" smtClean="0"/>
+              <a:t>Using a database</a:t>
+            </a:r>
           </a:p>
         </p:txBody>
       </p:sp>
@@ -3724,81 +3732,6 @@
 </file>
 
 <file path=ppt/slides/slide16.xml><?xml version="1.0" encoding="utf-8"?>
-<p:sld xmlns:a="http://schemas.openxmlformats.org/drawingml/2006/main" xmlns:r="http://schemas.openxmlformats.org/officeDocument/2006/relationships" xmlns:p="http://schemas.openxmlformats.org/presentationml/2006/main">
-  <p:cSld>
-    <p:spTree>
-      <p:nvGrpSpPr>
-        <p:cNvPr id="1" name=""/>
-        <p:cNvGrpSpPr/>
-        <p:nvPr/>
-      </p:nvGrpSpPr>
-      <p:grpSpPr>
-        <a:xfrm>
-          <a:off x="0" y="0"/>
-          <a:ext cx="0" cy="0"/>
-          <a:chOff x="0" y="0"/>
-          <a:chExt cx="0" cy="0"/>
-        </a:xfrm>
-      </p:grpSpPr>
-      <p:sp>
-        <p:nvSpPr>
-          <p:cNvPr id="2" name="Title 1"/>
-          <p:cNvSpPr>
-            <a:spLocks noGrp="1"/>
-          </p:cNvSpPr>
-          <p:nvPr>
-            <p:ph type="title"/>
-          </p:nvPr>
-        </p:nvSpPr>
-        <p:spPr/>
-        <p:txBody>
-          <a:bodyPr/>
-          <a:lstStyle/>
-          <a:p>
-            <a:endParaRPr lang="en-US" dirty="0"/>
-          </a:p>
-        </p:txBody>
-      </p:sp>
-      <p:sp>
-        <p:nvSpPr>
-          <p:cNvPr id="3" name="Content Placeholder 2"/>
-          <p:cNvSpPr>
-            <a:spLocks noGrp="1"/>
-          </p:cNvSpPr>
-          <p:nvPr>
-            <p:ph idx="1"/>
-          </p:nvPr>
-        </p:nvSpPr>
-        <p:spPr/>
-        <p:txBody>
-          <a:bodyPr/>
-          <a:lstStyle/>
-          <a:p>
-            <a:endParaRPr lang="en-US" dirty="0"/>
-          </a:p>
-        </p:txBody>
-      </p:sp>
-    </p:spTree>
-    <p:extLst>
-      <p:ext uri="{BB962C8B-B14F-4D97-AF65-F5344CB8AC3E}">
-        <p14:creationId xmlns:p14="http://schemas.microsoft.com/office/powerpoint/2010/main" val="3084345694"/>
-      </p:ext>
-    </p:extLst>
-  </p:cSld>
-  <p:clrMapOvr>
-    <a:masterClrMapping/>
-  </p:clrMapOvr>
-  <p:timing>
-    <p:tnLst>
-      <p:par>
-        <p:cTn id="1" dur="indefinite" restart="never" nodeType="tmRoot"/>
-      </p:par>
-    </p:tnLst>
-  </p:timing>
-</p:sld>
-</file>
-
-<file path=ppt/slides/slide17.xml><?xml version="1.0" encoding="utf-8"?>
 <p:sld xmlns:a="http://schemas.openxmlformats.org/drawingml/2006/main" xmlns:r="http://schemas.openxmlformats.org/officeDocument/2006/relationships" xmlns:p="http://schemas.openxmlformats.org/presentationml/2006/main">
   <p:cSld>
     <p:spTree>

--- a/Presentate.pptx
+++ b/Presentate.pptx
@@ -15,12 +15,13 @@
     <p:sldId id="260" r:id="rId9"/>
     <p:sldId id="274" r:id="rId10"/>
     <p:sldId id="262" r:id="rId11"/>
-    <p:sldId id="264" r:id="rId12"/>
-    <p:sldId id="265" r:id="rId13"/>
-    <p:sldId id="263" r:id="rId14"/>
-    <p:sldId id="267" r:id="rId15"/>
-    <p:sldId id="269" r:id="rId16"/>
-    <p:sldId id="272" r:id="rId17"/>
+    <p:sldId id="276" r:id="rId12"/>
+    <p:sldId id="264" r:id="rId13"/>
+    <p:sldId id="265" r:id="rId14"/>
+    <p:sldId id="263" r:id="rId15"/>
+    <p:sldId id="267" r:id="rId16"/>
+    <p:sldId id="269" r:id="rId17"/>
+    <p:sldId id="272" r:id="rId18"/>
   </p:sldIdLst>
   <p:sldSz cx="9144000" cy="6858000" type="screen4x3"/>
   <p:notesSz cx="6858000" cy="9144000"/>
@@ -3196,18 +3197,23 @@
           <a:p>
             <a:r>
               <a:rPr lang="en-US" dirty="0" smtClean="0"/>
-              <a:t>Choosing Day and Time</a:t>
-            </a:r>
-          </a:p>
-          <a:p>
+              <a:t>Choosing </a:t>
+            </a:r>
+            <a:r>
+              <a:rPr lang="en-US" dirty="0" smtClean="0"/>
+              <a:t>Day</a:t>
+            </a:r>
             <a:endParaRPr lang="en-US" dirty="0"/>
           </a:p>
           <a:p>
-            <a:r>
-              <a:rPr lang="en-US" dirty="0" smtClean="0"/>
-              <a:t>Timeslots invisible if unavailable</a:t>
-            </a:r>
             <a:endParaRPr lang="en-US" dirty="0"/>
+          </a:p>
+          <a:p>
+            <a:r>
+              <a:rPr lang="en-US" dirty="0" smtClean="0"/>
+              <a:t>Affects timeslot availability</a:t>
+            </a:r>
+            <a:endParaRPr lang="en-US" dirty="0" smtClean="0"/>
           </a:p>
         </p:txBody>
       </p:sp>
@@ -3265,7 +3271,15 @@
           <a:p>
             <a:r>
               <a:rPr lang="en-US" dirty="0"/>
-              <a:t>Using the Appointment Advisor</a:t>
+              <a:t>Using </a:t>
+            </a:r>
+            <a:r>
+              <a:rPr lang="en-US" dirty="0" smtClean="0"/>
+              <a:t>the Appointment </a:t>
+            </a:r>
+            <a:r>
+              <a:rPr lang="en-US" dirty="0"/>
+              <a:t>Advisor</a:t>
             </a:r>
           </a:p>
         </p:txBody>
@@ -3287,8 +3301,13 @@
           <a:p>
             <a:r>
               <a:rPr lang="en-US" dirty="0" smtClean="0"/>
-              <a:t>Results screen</a:t>
-            </a:r>
+              <a:t>Choosing </a:t>
+            </a:r>
+            <a:r>
+              <a:rPr lang="en-US" dirty="0" smtClean="0"/>
+              <a:t>Time</a:t>
+            </a:r>
+            <a:endParaRPr lang="en-US" dirty="0" smtClean="0"/>
           </a:p>
           <a:p>
             <a:endParaRPr lang="en-US" dirty="0"/>
@@ -3296,7 +3315,7 @@
           <a:p>
             <a:r>
               <a:rPr lang="en-US" dirty="0" smtClean="0"/>
-              <a:t>See appointments, return.</a:t>
+              <a:t>Timeslots invisible if unavailable</a:t>
             </a:r>
             <a:endParaRPr lang="en-US" dirty="0"/>
           </a:p>
@@ -3305,7 +3324,7 @@
     </p:spTree>
     <p:extLst>
       <p:ext uri="{BB962C8B-B14F-4D97-AF65-F5344CB8AC3E}">
-        <p14:creationId xmlns:p14="http://schemas.microsoft.com/office/powerpoint/2010/main" val="227587030"/>
+        <p14:creationId xmlns:p14="http://schemas.microsoft.com/office/powerpoint/2010/main" val="2278343716"/>
       </p:ext>
     </p:extLst>
   </p:cSld>
@@ -3378,20 +3397,10 @@
           <a:p>
             <a:r>
               <a:rPr lang="en-US" dirty="0" smtClean="0"/>
-              <a:t>Personal Page</a:t>
-            </a:r>
-          </a:p>
-          <a:p>
-            <a:r>
-              <a:rPr lang="en-US" dirty="0" smtClean="0"/>
-              <a:t>Seeing appointments</a:t>
-            </a:r>
-          </a:p>
-          <a:p>
-            <a:r>
-              <a:rPr lang="en-US" dirty="0" smtClean="0"/>
-              <a:t>Canceling appointments</a:t>
-            </a:r>
+              <a:t>Results screen</a:t>
+            </a:r>
+          </a:p>
+          <a:p>
             <a:endParaRPr lang="en-US" dirty="0"/>
           </a:p>
         </p:txBody>
@@ -3399,7 +3408,7 @@
     </p:spTree>
     <p:extLst>
       <p:ext uri="{BB962C8B-B14F-4D97-AF65-F5344CB8AC3E}">
-        <p14:creationId xmlns:p14="http://schemas.microsoft.com/office/powerpoint/2010/main" val="1524359951"/>
+        <p14:creationId xmlns:p14="http://schemas.microsoft.com/office/powerpoint/2010/main" val="227587030"/>
       </p:ext>
     </p:extLst>
   </p:cSld>
@@ -3472,25 +3481,29 @@
           <a:p>
             <a:r>
               <a:rPr lang="en-US" dirty="0" smtClean="0"/>
-              <a:t>Choosing another appointment time</a:t>
-            </a:r>
-          </a:p>
-          <a:p>
-            <a:endParaRPr lang="en-US" dirty="0"/>
-          </a:p>
-          <a:p>
-            <a:r>
-              <a:rPr lang="en-US" dirty="0" smtClean="0"/>
-              <a:t>Previous timeslot entries remembered</a:t>
-            </a:r>
-            <a:endParaRPr lang="en-US" dirty="0"/>
+              <a:t>Personal </a:t>
+            </a:r>
+            <a:r>
+              <a:rPr lang="en-US" dirty="0" smtClean="0"/>
+              <a:t>Page</a:t>
+            </a:r>
+          </a:p>
+          <a:p>
+            <a:endParaRPr lang="en-US" dirty="0" smtClean="0"/>
+          </a:p>
+          <a:p>
+            <a:r>
+              <a:rPr lang="en-US" dirty="0" smtClean="0"/>
+              <a:t>States time, day, and professor</a:t>
+            </a:r>
+            <a:endParaRPr lang="en-US" dirty="0" smtClean="0"/>
           </a:p>
         </p:txBody>
       </p:sp>
     </p:spTree>
     <p:extLst>
       <p:ext uri="{BB962C8B-B14F-4D97-AF65-F5344CB8AC3E}">
-        <p14:creationId xmlns:p14="http://schemas.microsoft.com/office/powerpoint/2010/main" val="2252862218"/>
+        <p14:creationId xmlns:p14="http://schemas.microsoft.com/office/powerpoint/2010/main" val="1524359951"/>
       </p:ext>
     </p:extLst>
   </p:cSld>
@@ -3540,46 +3553,44 @@
           <a:lstStyle/>
           <a:p>
             <a:r>
-              <a:rPr lang="en-US" dirty="0" smtClean="0"/>
-              <a:t>Most challenging parts were: </a:t>
-            </a:r>
+              <a:rPr lang="en-US" dirty="0"/>
+              <a:t>Using the Appointment Advisor</a:t>
+            </a:r>
+          </a:p>
+        </p:txBody>
+      </p:sp>
+      <p:sp>
+        <p:nvSpPr>
+          <p:cNvPr id="3" name="Content Placeholder 2"/>
+          <p:cNvSpPr>
+            <a:spLocks noGrp="1"/>
+          </p:cNvSpPr>
+          <p:nvPr>
+            <p:ph idx="1"/>
+          </p:nvPr>
+        </p:nvSpPr>
+        <p:spPr/>
+        <p:txBody>
+          <a:bodyPr/>
+          <a:lstStyle/>
+          <a:p>
+            <a:r>
+              <a:rPr lang="en-US" dirty="0" smtClean="0"/>
+              <a:t>Choosing another appointment time</a:t>
+            </a:r>
+          </a:p>
+          <a:p>
             <a:endParaRPr lang="en-US" dirty="0"/>
           </a:p>
-        </p:txBody>
-      </p:sp>
-      <p:sp>
-        <p:nvSpPr>
-          <p:cNvPr id="3" name="Content Placeholder 2"/>
-          <p:cNvSpPr>
-            <a:spLocks noGrp="1"/>
-          </p:cNvSpPr>
-          <p:nvPr>
-            <p:ph idx="1"/>
-          </p:nvPr>
-        </p:nvSpPr>
-        <p:spPr/>
-        <p:txBody>
-          <a:bodyPr/>
-          <a:lstStyle/>
-          <a:p>
-            <a:r>
-              <a:rPr lang="en-US" dirty="0" smtClean="0"/>
-              <a:t>Choosing based on day</a:t>
-            </a:r>
-          </a:p>
-          <a:p>
-            <a:endParaRPr lang="en-US" dirty="0"/>
-          </a:p>
-          <a:p>
-            <a:r>
-              <a:rPr lang="en-US" dirty="0" smtClean="0"/>
-              <a:t>Saving Timeslot Data</a:t>
-            </a:r>
-          </a:p>
-          <a:p>
-            <a:endParaRPr lang="en-US" dirty="0"/>
-          </a:p>
-          <a:p>
+          <a:p>
+            <a:r>
+              <a:rPr lang="en-US" dirty="0" smtClean="0"/>
+              <a:t>Previous timeslot </a:t>
+            </a:r>
+            <a:r>
+              <a:rPr lang="en-US" dirty="0" smtClean="0"/>
+              <a:t>entry overwritten, freeing it up.</a:t>
+            </a:r>
             <a:endParaRPr lang="en-US" dirty="0"/>
           </a:p>
         </p:txBody>
@@ -3587,7 +3598,7 @@
     </p:spTree>
     <p:extLst>
       <p:ext uri="{BB962C8B-B14F-4D97-AF65-F5344CB8AC3E}">
-        <p14:creationId xmlns:p14="http://schemas.microsoft.com/office/powerpoint/2010/main" val="1044079374"/>
+        <p14:creationId xmlns:p14="http://schemas.microsoft.com/office/powerpoint/2010/main" val="2252862218"/>
       </p:ext>
     </p:extLst>
   </p:cSld>
@@ -3638,7 +3649,116 @@
           <a:p>
             <a:r>
               <a:rPr lang="en-US" dirty="0" smtClean="0"/>
-              <a:t>We still want to add</a:t>
+              <a:t>Most challenging parts were: </a:t>
+            </a:r>
+            <a:endParaRPr lang="en-US" dirty="0"/>
+          </a:p>
+        </p:txBody>
+      </p:sp>
+      <p:sp>
+        <p:nvSpPr>
+          <p:cNvPr id="3" name="Content Placeholder 2"/>
+          <p:cNvSpPr>
+            <a:spLocks noGrp="1"/>
+          </p:cNvSpPr>
+          <p:nvPr>
+            <p:ph idx="1"/>
+          </p:nvPr>
+        </p:nvSpPr>
+        <p:spPr/>
+        <p:txBody>
+          <a:bodyPr/>
+          <a:lstStyle/>
+          <a:p>
+            <a:r>
+              <a:rPr lang="en-US" dirty="0" smtClean="0"/>
+              <a:t>Choosing based on day</a:t>
+            </a:r>
+          </a:p>
+          <a:p>
+            <a:endParaRPr lang="en-US" dirty="0"/>
+          </a:p>
+          <a:p>
+            <a:r>
+              <a:rPr lang="en-US" dirty="0" smtClean="0"/>
+              <a:t>Saving Timeslot </a:t>
+            </a:r>
+            <a:r>
+              <a:rPr lang="en-US" dirty="0"/>
+              <a:t>d</a:t>
+            </a:r>
+            <a:r>
+              <a:rPr lang="en-US" dirty="0" smtClean="0"/>
+              <a:t>ata for user and app</a:t>
+            </a:r>
+            <a:endParaRPr lang="en-US" dirty="0" smtClean="0"/>
+          </a:p>
+          <a:p>
+            <a:endParaRPr lang="en-US" dirty="0" smtClean="0"/>
+          </a:p>
+          <a:p>
+            <a:endParaRPr lang="en-US" dirty="0"/>
+          </a:p>
+          <a:p>
+            <a:endParaRPr lang="en-US" dirty="0"/>
+          </a:p>
+        </p:txBody>
+      </p:sp>
+    </p:spTree>
+    <p:extLst>
+      <p:ext uri="{BB962C8B-B14F-4D97-AF65-F5344CB8AC3E}">
+        <p14:creationId xmlns:p14="http://schemas.microsoft.com/office/powerpoint/2010/main" val="1044079374"/>
+      </p:ext>
+    </p:extLst>
+  </p:cSld>
+  <p:clrMapOvr>
+    <a:masterClrMapping/>
+  </p:clrMapOvr>
+  <p:timing>
+    <p:tnLst>
+      <p:par>
+        <p:cTn id="1" dur="indefinite" restart="never" nodeType="tmRoot"/>
+      </p:par>
+    </p:tnLst>
+  </p:timing>
+</p:sld>
+</file>
+
+<file path=ppt/slides/slide16.xml><?xml version="1.0" encoding="utf-8"?>
+<p:sld xmlns:a="http://schemas.openxmlformats.org/drawingml/2006/main" xmlns:r="http://schemas.openxmlformats.org/officeDocument/2006/relationships" xmlns:p="http://schemas.openxmlformats.org/presentationml/2006/main">
+  <p:cSld>
+    <p:spTree>
+      <p:nvGrpSpPr>
+        <p:cNvPr id="1" name=""/>
+        <p:cNvGrpSpPr/>
+        <p:nvPr/>
+      </p:nvGrpSpPr>
+      <p:grpSpPr>
+        <a:xfrm>
+          <a:off x="0" y="0"/>
+          <a:ext cx="0" cy="0"/>
+          <a:chOff x="0" y="0"/>
+          <a:chExt cx="0" cy="0"/>
+        </a:xfrm>
+      </p:grpSpPr>
+      <p:sp>
+        <p:nvSpPr>
+          <p:cNvPr id="2" name="Title 1"/>
+          <p:cNvSpPr>
+            <a:spLocks noGrp="1"/>
+          </p:cNvSpPr>
+          <p:nvPr>
+            <p:ph type="title"/>
+          </p:nvPr>
+        </p:nvSpPr>
+        <p:spPr/>
+        <p:txBody>
+          <a:bodyPr/>
+          <a:lstStyle/>
+          <a:p>
+            <a:r>
+              <a:rPr lang="en-US" dirty="0" smtClean="0"/>
+              <a:t>In our next version:</a:t>
             </a:r>
             <a:endParaRPr lang="en-US" dirty="0"/>
           </a:p>
@@ -3667,47 +3787,42 @@
             </a:r>
           </a:p>
           <a:p>
-            <a:r>
-              <a:rPr lang="en-US" dirty="0" smtClean="0"/>
-              <a:t>Couldn’t add every feature we wanted</a:t>
-            </a:r>
-          </a:p>
-          <a:p>
+            <a:pPr marL="0" indent="0">
+              <a:buNone/>
+            </a:pPr>
             <a:endParaRPr lang="en-US" dirty="0"/>
           </a:p>
           <a:p>
             <a:r>
               <a:rPr lang="en-US" dirty="0" smtClean="0"/>
-              <a:t>Large-scale scheduling </a:t>
-            </a:r>
-            <a:r>
-              <a:rPr lang="en-US" dirty="0" smtClean="0"/>
-              <a:t>calendar</a:t>
+              <a:t>Large-scale scheduling calendar</a:t>
             </a:r>
             <a:endParaRPr lang="en-US" dirty="0"/>
           </a:p>
           <a:p>
             <a:r>
               <a:rPr lang="en-US" dirty="0" smtClean="0"/>
-              <a:t>Teacher-side </a:t>
-            </a:r>
-            <a:r>
-              <a:rPr lang="en-US" dirty="0" smtClean="0"/>
-              <a:t>implementation</a:t>
+              <a:t>Teacher-side implementation</a:t>
             </a:r>
             <a:endParaRPr lang="en-US" dirty="0"/>
           </a:p>
           <a:p>
             <a:r>
               <a:rPr lang="en-US" dirty="0" smtClean="0"/>
-              <a:t>Validation</a:t>
-            </a:r>
-          </a:p>
-          <a:p>
-            <a:r>
-              <a:rPr lang="en-US" dirty="0" smtClean="0"/>
-              <a:t>Using a database</a:t>
-            </a:r>
+              <a:t>Validation, canceling appointments</a:t>
+            </a:r>
+            <a:endParaRPr lang="en-US" dirty="0" smtClean="0"/>
+          </a:p>
+          <a:p>
+            <a:r>
+              <a:rPr lang="en-US" dirty="0" smtClean="0"/>
+              <a:t>Using </a:t>
+            </a:r>
+            <a:r>
+              <a:rPr lang="en-US" dirty="0" smtClean="0"/>
+              <a:t>database to store data</a:t>
+            </a:r>
+            <a:endParaRPr lang="en-US" dirty="0" smtClean="0"/>
           </a:p>
         </p:txBody>
       </p:sp>
@@ -3731,7 +3846,7 @@
 </p:sld>
 </file>
 
-<file path=ppt/slides/slide16.xml><?xml version="1.0" encoding="utf-8"?>
+<file path=ppt/slides/slide17.xml><?xml version="1.0" encoding="utf-8"?>
 <p:sld xmlns:a="http://schemas.openxmlformats.org/drawingml/2006/main" xmlns:r="http://schemas.openxmlformats.org/officeDocument/2006/relationships" xmlns:p="http://schemas.openxmlformats.org/presentationml/2006/main">
   <p:cSld>
     <p:spTree>
@@ -3875,8 +3990,23 @@
           <a:p>
             <a:r>
               <a:rPr lang="en-US" dirty="0" smtClean="0"/>
-              <a:t>Lead Programmer</a:t>
-            </a:r>
+              <a:t>Lead </a:t>
+            </a:r>
+            <a:r>
+              <a:rPr lang="en-US" dirty="0" smtClean="0"/>
+              <a:t>Programmer</a:t>
+            </a:r>
+          </a:p>
+          <a:p>
+            <a:r>
+              <a:rPr lang="en-US" dirty="0" smtClean="0"/>
+              <a:t>Undergraduate researcher for Dr. </a:t>
+            </a:r>
+            <a:r>
+              <a:rPr lang="en-US" dirty="0" err="1" smtClean="0"/>
+              <a:t>Kuber</a:t>
+            </a:r>
+            <a:endParaRPr lang="en-US" dirty="0" smtClean="0"/>
           </a:p>
           <a:p>
             <a:pPr marL="0" indent="0">
@@ -4079,6 +4209,62 @@
             <a:pPr marL="0" indent="0">
               <a:buNone/>
             </a:pPr>
+            <a:r>
+              <a:rPr lang="en-US" dirty="0" smtClean="0"/>
+              <a:t>Your professor sends you an e-mail </a:t>
+            </a:r>
+          </a:p>
+          <a:p>
+            <a:pPr marL="0" indent="0">
+              <a:buNone/>
+            </a:pPr>
+            <a:r>
+              <a:rPr lang="en-US" dirty="0" smtClean="0"/>
+              <a:t>to simply show up at a certain time. </a:t>
+            </a:r>
+          </a:p>
+          <a:p>
+            <a:pPr marL="0" indent="0">
+              <a:buNone/>
+            </a:pPr>
+            <a:endParaRPr lang="en-US" dirty="0" smtClean="0"/>
+          </a:p>
+          <a:p>
+            <a:pPr marL="0" indent="0">
+              <a:buNone/>
+            </a:pPr>
+            <a:r>
+              <a:rPr lang="en-US" dirty="0" smtClean="0"/>
+              <a:t>You show up, and get to wait in line. </a:t>
+            </a:r>
+          </a:p>
+          <a:p>
+            <a:pPr marL="0" indent="0">
+              <a:buNone/>
+            </a:pPr>
+            <a:endParaRPr lang="en-US" dirty="0" smtClean="0"/>
+          </a:p>
+          <a:p>
+            <a:pPr marL="0" indent="0">
+              <a:buNone/>
+            </a:pPr>
+            <a:r>
+              <a:rPr lang="en-US" dirty="0" smtClean="0"/>
+              <a:t>You’re </a:t>
+            </a:r>
+            <a:r>
+              <a:rPr lang="en-US" dirty="0" smtClean="0"/>
+              <a:t>hoping that you get advised before </a:t>
+            </a:r>
+          </a:p>
+          <a:p>
+            <a:pPr marL="0" indent="0">
+              <a:buNone/>
+            </a:pPr>
+            <a:r>
+              <a:rPr lang="en-US" dirty="0" smtClean="0"/>
+              <a:t>he is done advising for the day.</a:t>
+            </a:r>
             <a:endParaRPr lang="en-US" dirty="0"/>
           </a:p>
           <a:p>
@@ -4317,7 +4503,7 @@
           <a:bodyPr/>
           <a:lstStyle/>
           <a:p>
-            <a:endParaRPr lang="en-US"/>
+            <a:endParaRPr lang="en-US" dirty="0"/>
           </a:p>
         </p:txBody>
       </p:sp>
@@ -4507,7 +4693,20 @@
           <a:p>
             <a:r>
               <a:rPr lang="en-US" dirty="0" smtClean="0"/>
-              <a:t>The start screen</a:t>
+              <a:t>The start </a:t>
+            </a:r>
+            <a:r>
+              <a:rPr lang="en-US" dirty="0" smtClean="0"/>
+              <a:t>screen</a:t>
+            </a:r>
+          </a:p>
+          <a:p>
+            <a:endParaRPr lang="en-US" dirty="0"/>
+          </a:p>
+          <a:p>
+            <a:r>
+              <a:rPr lang="en-US" dirty="0" smtClean="0"/>
+              <a:t>Reset removes every filled timeslot</a:t>
             </a:r>
             <a:endParaRPr lang="en-US" dirty="0"/>
           </a:p>
@@ -4589,8 +4788,13 @@
           <a:p>
             <a:r>
               <a:rPr lang="en-US" dirty="0" smtClean="0"/>
-              <a:t>Choosing Professor and Class</a:t>
-            </a:r>
+              <a:t>Choosing Professor and </a:t>
+            </a:r>
+            <a:r>
+              <a:rPr lang="en-US" dirty="0" smtClean="0"/>
+              <a:t>Class</a:t>
+            </a:r>
+            <a:endParaRPr lang="en-US" dirty="0" smtClean="0"/>
           </a:p>
           <a:p>
             <a:endParaRPr lang="en-US" dirty="0"/>

--- a/Presentate.pptx
+++ b/Presentate.pptx
@@ -305,7 +305,7 @@
             <a:fld id="{1D8BD707-D9CF-40AE-B4C6-C98DA3205C09}" type="datetimeFigureOut">
               <a:rPr lang="en-US" smtClean="0"/>
               <a:pPr/>
-              <a:t>12/9/2014</a:t>
+              <a:t>12/10/2014</a:t>
             </a:fld>
             <a:endParaRPr lang="en-US"/>
           </a:p>
@@ -472,7 +472,7 @@
             <a:fld id="{1D8BD707-D9CF-40AE-B4C6-C98DA3205C09}" type="datetimeFigureOut">
               <a:rPr lang="en-US" smtClean="0"/>
               <a:pPr/>
-              <a:t>12/9/2014</a:t>
+              <a:t>12/10/2014</a:t>
             </a:fld>
             <a:endParaRPr lang="en-US"/>
           </a:p>
@@ -649,7 +649,7 @@
             <a:fld id="{1D8BD707-D9CF-40AE-B4C6-C98DA3205C09}" type="datetimeFigureOut">
               <a:rPr lang="en-US" smtClean="0"/>
               <a:pPr/>
-              <a:t>12/9/2014</a:t>
+              <a:t>12/10/2014</a:t>
             </a:fld>
             <a:endParaRPr lang="en-US"/>
           </a:p>
@@ -816,7 +816,7 @@
             <a:fld id="{1D8BD707-D9CF-40AE-B4C6-C98DA3205C09}" type="datetimeFigureOut">
               <a:rPr lang="en-US" smtClean="0"/>
               <a:pPr/>
-              <a:t>12/9/2014</a:t>
+              <a:t>12/10/2014</a:t>
             </a:fld>
             <a:endParaRPr lang="en-US"/>
           </a:p>
@@ -1059,7 +1059,7 @@
             <a:fld id="{1D8BD707-D9CF-40AE-B4C6-C98DA3205C09}" type="datetimeFigureOut">
               <a:rPr lang="en-US" smtClean="0"/>
               <a:pPr/>
-              <a:t>12/9/2014</a:t>
+              <a:t>12/10/2014</a:t>
             </a:fld>
             <a:endParaRPr lang="en-US"/>
           </a:p>
@@ -1344,7 +1344,7 @@
             <a:fld id="{1D8BD707-D9CF-40AE-B4C6-C98DA3205C09}" type="datetimeFigureOut">
               <a:rPr lang="en-US" smtClean="0"/>
               <a:pPr/>
-              <a:t>12/9/2014</a:t>
+              <a:t>12/10/2014</a:t>
             </a:fld>
             <a:endParaRPr lang="en-US"/>
           </a:p>
@@ -1763,7 +1763,7 @@
             <a:fld id="{1D8BD707-D9CF-40AE-B4C6-C98DA3205C09}" type="datetimeFigureOut">
               <a:rPr lang="en-US" smtClean="0"/>
               <a:pPr/>
-              <a:t>12/9/2014</a:t>
+              <a:t>12/10/2014</a:t>
             </a:fld>
             <a:endParaRPr lang="en-US"/>
           </a:p>
@@ -1878,7 +1878,7 @@
             <a:fld id="{1D8BD707-D9CF-40AE-B4C6-C98DA3205C09}" type="datetimeFigureOut">
               <a:rPr lang="en-US" smtClean="0"/>
               <a:pPr/>
-              <a:t>12/9/2014</a:t>
+              <a:t>12/10/2014</a:t>
             </a:fld>
             <a:endParaRPr lang="en-US"/>
           </a:p>
@@ -1970,7 +1970,7 @@
             <a:fld id="{1D8BD707-D9CF-40AE-B4C6-C98DA3205C09}" type="datetimeFigureOut">
               <a:rPr lang="en-US" smtClean="0"/>
               <a:pPr/>
-              <a:t>12/9/2014</a:t>
+              <a:t>12/10/2014</a:t>
             </a:fld>
             <a:endParaRPr lang="en-US"/>
           </a:p>
@@ -2244,7 +2244,7 @@
             <a:fld id="{1D8BD707-D9CF-40AE-B4C6-C98DA3205C09}" type="datetimeFigureOut">
               <a:rPr lang="en-US" smtClean="0"/>
               <a:pPr/>
-              <a:t>12/9/2014</a:t>
+              <a:t>12/10/2014</a:t>
             </a:fld>
             <a:endParaRPr lang="en-US"/>
           </a:p>
@@ -2494,7 +2494,7 @@
             <a:fld id="{1D8BD707-D9CF-40AE-B4C6-C98DA3205C09}" type="datetimeFigureOut">
               <a:rPr lang="en-US" smtClean="0"/>
               <a:pPr/>
-              <a:t>12/9/2014</a:t>
+              <a:t>12/10/2014</a:t>
             </a:fld>
             <a:endParaRPr lang="en-US"/>
           </a:p>
@@ -2704,7 +2704,7 @@
             <a:fld id="{1D8BD707-D9CF-40AE-B4C6-C98DA3205C09}" type="datetimeFigureOut">
               <a:rPr lang="en-US" smtClean="0"/>
               <a:pPr/>
-              <a:t>12/9/2014</a:t>
+              <a:t>12/10/2014</a:t>
             </a:fld>
             <a:endParaRPr lang="en-US"/>
           </a:p>
@@ -3197,11 +3197,7 @@
           <a:p>
             <a:r>
               <a:rPr lang="en-US" dirty="0" smtClean="0"/>
-              <a:t>Choosing </a:t>
-            </a:r>
-            <a:r>
-              <a:rPr lang="en-US" dirty="0" smtClean="0"/>
-              <a:t>Day</a:t>
+              <a:t>Choosing Day</a:t>
             </a:r>
             <a:endParaRPr lang="en-US" dirty="0"/>
           </a:p>
@@ -3213,7 +3209,6 @@
               <a:rPr lang="en-US" dirty="0" smtClean="0"/>
               <a:t>Affects timeslot availability</a:t>
             </a:r>
-            <a:endParaRPr lang="en-US" dirty="0" smtClean="0"/>
           </a:p>
         </p:txBody>
       </p:sp>
@@ -3301,13 +3296,8 @@
           <a:p>
             <a:r>
               <a:rPr lang="en-US" dirty="0" smtClean="0"/>
-              <a:t>Choosing </a:t>
-            </a:r>
-            <a:r>
-              <a:rPr lang="en-US" dirty="0" smtClean="0"/>
-              <a:t>Time</a:t>
-            </a:r>
-            <a:endParaRPr lang="en-US" dirty="0" smtClean="0"/>
+              <a:t>Choosing Time</a:t>
+            </a:r>
           </a:p>
           <a:p>
             <a:endParaRPr lang="en-US" dirty="0"/>
@@ -3481,11 +3471,7 @@
           <a:p>
             <a:r>
               <a:rPr lang="en-US" dirty="0" smtClean="0"/>
-              <a:t>Personal </a:t>
-            </a:r>
-            <a:r>
-              <a:rPr lang="en-US" dirty="0" smtClean="0"/>
-              <a:t>Page</a:t>
+              <a:t>Personal Page</a:t>
             </a:r>
           </a:p>
           <a:p>
@@ -3496,7 +3482,6 @@
               <a:rPr lang="en-US" dirty="0" smtClean="0"/>
               <a:t>States time, day, and professor</a:t>
             </a:r>
-            <a:endParaRPr lang="en-US" dirty="0" smtClean="0"/>
           </a:p>
         </p:txBody>
       </p:sp>
@@ -3585,11 +3570,7 @@
           <a:p>
             <a:r>
               <a:rPr lang="en-US" dirty="0" smtClean="0"/>
-              <a:t>Previous timeslot </a:t>
-            </a:r>
-            <a:r>
-              <a:rPr lang="en-US" dirty="0" smtClean="0"/>
-              <a:t>entry overwritten, freeing it up.</a:t>
+              <a:t>Previous timeslot entry overwritten, freeing it up.</a:t>
             </a:r>
             <a:endParaRPr lang="en-US" dirty="0"/>
           </a:p>
@@ -3691,7 +3672,6 @@
               <a:rPr lang="en-US" dirty="0" smtClean="0"/>
               <a:t>ata for user and app</a:t>
             </a:r>
-            <a:endParaRPr lang="en-US" dirty="0" smtClean="0"/>
           </a:p>
           <a:p>
             <a:endParaRPr lang="en-US" dirty="0" smtClean="0"/>
@@ -3811,18 +3791,12 @@
               <a:rPr lang="en-US" dirty="0" smtClean="0"/>
               <a:t>Validation, canceling appointments</a:t>
             </a:r>
-            <a:endParaRPr lang="en-US" dirty="0" smtClean="0"/>
-          </a:p>
-          <a:p>
-            <a:r>
-              <a:rPr lang="en-US" dirty="0" smtClean="0"/>
-              <a:t>Using </a:t>
-            </a:r>
-            <a:r>
-              <a:rPr lang="en-US" dirty="0" smtClean="0"/>
-              <a:t>database to store data</a:t>
-            </a:r>
-            <a:endParaRPr lang="en-US" dirty="0" smtClean="0"/>
+          </a:p>
+          <a:p>
+            <a:r>
+              <a:rPr lang="en-US" dirty="0" smtClean="0"/>
+              <a:t>Using database to store data</a:t>
+            </a:r>
           </a:p>
         </p:txBody>
       </p:sp>
@@ -3990,11 +3964,7 @@
           <a:p>
             <a:r>
               <a:rPr lang="en-US" dirty="0" smtClean="0"/>
-              <a:t>Lead </a:t>
-            </a:r>
-            <a:r>
-              <a:rPr lang="en-US" dirty="0" smtClean="0"/>
-              <a:t>Programmer</a:t>
+              <a:t>Lead Programmer</a:t>
             </a:r>
           </a:p>
           <a:p>
@@ -4108,14 +4078,48 @@
           <a:p>
             <a:r>
               <a:rPr lang="en-US" dirty="0" smtClean="0"/>
-              <a:t>Lead Designer</a:t>
-            </a:r>
+              <a:t>Lead </a:t>
+            </a:r>
+            <a:r>
+              <a:rPr lang="en-US" dirty="0" smtClean="0"/>
+              <a:t>Designer</a:t>
+            </a:r>
+          </a:p>
+          <a:p>
+            <a:pPr marL="0" indent="0">
+              <a:buNone/>
+            </a:pPr>
             <a:endParaRPr lang="en-US" dirty="0"/>
           </a:p>
           <a:p>
             <a:r>
               <a:rPr lang="en-US" dirty="0" smtClean="0"/>
-              <a:t>President of UMBC Anime Society</a:t>
+              <a:t>President of </a:t>
+            </a:r>
+            <a:r>
+              <a:rPr lang="en-US" dirty="0" smtClean="0"/>
+              <a:t>UMBC</a:t>
+            </a:r>
+          </a:p>
+          <a:p>
+            <a:pPr marL="0" indent="0">
+              <a:buNone/>
+            </a:pPr>
+            <a:r>
+              <a:rPr lang="en-US" dirty="0"/>
+              <a:t> </a:t>
+            </a:r>
+            <a:r>
+              <a:rPr lang="en-US" dirty="0" smtClean="0"/>
+              <a:t>  </a:t>
+            </a:r>
+            <a:r>
+              <a:rPr lang="en-US" dirty="0" smtClean="0"/>
+              <a:t> </a:t>
+            </a:r>
+            <a:r>
+              <a:rPr lang="en-US" dirty="0" smtClean="0"/>
+              <a:t>Anime Society</a:t>
             </a:r>
           </a:p>
           <a:p>
@@ -4126,6 +4130,60 @@
           </a:p>
         </p:txBody>
       </p:sp>
+      <p:pic>
+        <p:nvPicPr>
+          <p:cNvPr id="1026" name="Picture 2"/>
+          <p:cNvPicPr>
+            <a:picLocks noChangeAspect="1" noChangeArrowheads="1"/>
+          </p:cNvPicPr>
+          <p:nvPr/>
+        </p:nvPicPr>
+        <p:blipFill>
+          <a:blip r:embed="rId2">
+            <a:extLst>
+              <a:ext uri="{28A0092B-C50C-407E-A947-70E740481C1C}">
+                <a14:useLocalDpi xmlns:a14="http://schemas.microsoft.com/office/drawing/2010/main" val="0"/>
+              </a:ext>
+            </a:extLst>
+          </a:blip>
+          <a:srcRect/>
+          <a:stretch>
+            <a:fillRect/>
+          </a:stretch>
+        </p:blipFill>
+        <p:spPr bwMode="auto">
+          <a:xfrm>
+            <a:off x="4571999" y="1771650"/>
+            <a:ext cx="3581401" cy="4041580"/>
+          </a:xfrm>
+          <a:prstGeom prst="rect">
+            <a:avLst/>
+          </a:prstGeom>
+          <a:noFill/>
+          <a:ln>
+            <a:noFill/>
+          </a:ln>
+          <a:extLst>
+            <a:ext uri="{909E8E84-426E-40DD-AFC4-6F175D3DCCD1}">
+              <a14:hiddenFill xmlns:a14="http://schemas.microsoft.com/office/drawing/2010/main">
+                <a:solidFill>
+                  <a:schemeClr val="accent1"/>
+                </a:solidFill>
+              </a14:hiddenFill>
+            </a:ext>
+            <a:ext uri="{91240B29-F687-4F45-9708-019B960494DF}">
+              <a14:hiddenLine xmlns:a14="http://schemas.microsoft.com/office/drawing/2010/main" w="9525">
+                <a:solidFill>
+                  <a:schemeClr val="tx1"/>
+                </a:solidFill>
+                <a:miter lim="800000"/>
+                <a:headEnd/>
+                <a:tailEnd/>
+              </a14:hiddenLine>
+            </a:ext>
+          </a:extLst>
+        </p:spPr>
+      </p:pic>
     </p:spTree>
     <p:extLst>
       <p:ext uri="{BB962C8B-B14F-4D97-AF65-F5344CB8AC3E}">
@@ -4250,11 +4308,7 @@
             </a:pPr>
             <a:r>
               <a:rPr lang="en-US" dirty="0" smtClean="0"/>
-              <a:t>You’re </a:t>
-            </a:r>
-            <a:r>
-              <a:rPr lang="en-US" dirty="0" smtClean="0"/>
-              <a:t>hoping that you get advised before </a:t>
+              <a:t>You’re hoping that you get advised before </a:t>
             </a:r>
           </a:p>
           <a:p>
@@ -4693,11 +4747,7 @@
           <a:p>
             <a:r>
               <a:rPr lang="en-US" dirty="0" smtClean="0"/>
-              <a:t>The start </a:t>
-            </a:r>
-            <a:r>
-              <a:rPr lang="en-US" dirty="0" smtClean="0"/>
-              <a:t>screen</a:t>
+              <a:t>The start screen</a:t>
             </a:r>
           </a:p>
           <a:p>
@@ -4788,13 +4838,8 @@
           <a:p>
             <a:r>
               <a:rPr lang="en-US" dirty="0" smtClean="0"/>
-              <a:t>Choosing Professor and </a:t>
-            </a:r>
-            <a:r>
-              <a:rPr lang="en-US" dirty="0" smtClean="0"/>
-              <a:t>Class</a:t>
-            </a:r>
-            <a:endParaRPr lang="en-US" dirty="0" smtClean="0"/>
+              <a:t>Choosing Professor and Class</a:t>
+            </a:r>
           </a:p>
           <a:p>
             <a:endParaRPr lang="en-US" dirty="0"/>
